--- a/презентацияшеина.pptx
+++ b/презентацияшеина.pptx
@@ -12,6 +12,8 @@
     <p:sldId id="260" r:id="rId6"/>
     <p:sldId id="261" r:id="rId7"/>
     <p:sldId id="262" r:id="rId8"/>
+    <p:sldId id="263" r:id="rId9"/>
+    <p:sldId id="264" r:id="rId10"/>
   </p:sldIdLst>
   <p:sldSz cx="12192000" cy="6858000"/>
   <p:notesSz cx="6858000" cy="9144000"/>
@@ -110,7 +112,24 @@
       </a:defRPr>
     </a:lvl9pPr>
   </p:defaultTextStyle>
+  <p:extLst>
+    <p:ext uri="{EFAFB233-063F-42B5-8137-9DF3F51BA10A}">
+      <p15:sldGuideLst xmlns:p15="http://schemas.microsoft.com/office/powerpoint/2012/main"/>
+    </p:ext>
+  </p:extLst>
 </p:presentation>
+</file>
+
+<file path=ppt/commentAuthors.xml><?xml version="1.0" encoding="utf-8"?>
+<p:cmAuthorLst xmlns:a="http://schemas.openxmlformats.org/drawingml/2006/main" xmlns:r="http://schemas.openxmlformats.org/officeDocument/2006/relationships" xmlns:p="http://schemas.openxmlformats.org/presentationml/2006/main">
+  <p:cmAuthor id="1" name="user" initials="u" lastIdx="1" clrIdx="0">
+    <p:extLst>
+      <p:ext uri="{19B8F6BF-5375-455C-9EA6-DF929625EA0E}">
+        <p15:presenceInfo xmlns:p15="http://schemas.microsoft.com/office/powerpoint/2012/main" userId="user" providerId="None"/>
+      </p:ext>
+    </p:extLst>
+  </p:cmAuthor>
+</p:cmAuthorLst>
 </file>
 
 <file path=ppt/slideLayouts/slideLayout1.xml><?xml version="1.0" encoding="utf-8"?>
@@ -4418,6 +4437,469 @@
 </p:sld>
 </file>
 
+<file path=ppt/slides/slide8.xml><?xml version="1.0" encoding="utf-8"?>
+<p:sld xmlns:a="http://schemas.openxmlformats.org/drawingml/2006/main" xmlns:r="http://schemas.openxmlformats.org/officeDocument/2006/relationships" xmlns:p="http://schemas.openxmlformats.org/presentationml/2006/main">
+  <p:cSld>
+    <p:spTree>
+      <p:nvGrpSpPr>
+        <p:cNvPr id="1" name=""/>
+        <p:cNvGrpSpPr/>
+        <p:nvPr/>
+      </p:nvGrpSpPr>
+      <p:grpSpPr>
+        <a:xfrm>
+          <a:off x="0" y="0"/>
+          <a:ext cx="0" cy="0"/>
+          <a:chOff x="0" y="0"/>
+          <a:chExt cx="0" cy="0"/>
+        </a:xfrm>
+      </p:grpSpPr>
+      <p:sp>
+        <p:nvSpPr>
+          <p:cNvPr id="2" name="Заголовок 1">
+            <a:extLst>
+              <a:ext uri="{FF2B5EF4-FFF2-40B4-BE49-F238E27FC236}">
+                <a16:creationId xmlns:a16="http://schemas.microsoft.com/office/drawing/2014/main" id="{B334385A-4974-42F4-A3CF-E1E891D2E909}"/>
+              </a:ext>
+            </a:extLst>
+          </p:cNvPr>
+          <p:cNvSpPr>
+            <a:spLocks noGrp="1"/>
+          </p:cNvSpPr>
+          <p:nvPr>
+            <p:ph type="title"/>
+          </p:nvPr>
+        </p:nvSpPr>
+        <p:spPr/>
+        <p:txBody>
+          <a:bodyPr/>
+          <a:lstStyle/>
+          <a:p>
+            <a:r>
+              <a:rPr lang="ru-RU" dirty="0">
+                <a:latin typeface="Times New Roman" panose="02020603050405020304" pitchFamily="18" charset="0"/>
+                <a:cs typeface="Times New Roman" panose="02020603050405020304" pitchFamily="18" charset="0"/>
+              </a:rPr>
+              <a:t>Заключение</a:t>
+            </a:r>
+          </a:p>
+        </p:txBody>
+      </p:sp>
+      <p:sp>
+        <p:nvSpPr>
+          <p:cNvPr id="3" name="Объект 2">
+            <a:extLst>
+              <a:ext uri="{FF2B5EF4-FFF2-40B4-BE49-F238E27FC236}">
+                <a16:creationId xmlns:a16="http://schemas.microsoft.com/office/drawing/2014/main" id="{B9F9916C-F57D-4768-93B9-BC9C271039B2}"/>
+              </a:ext>
+            </a:extLst>
+          </p:cNvPr>
+          <p:cNvSpPr>
+            <a:spLocks noGrp="1"/>
+          </p:cNvSpPr>
+          <p:nvPr>
+            <p:ph idx="1"/>
+          </p:nvPr>
+        </p:nvSpPr>
+        <p:spPr/>
+        <p:txBody>
+          <a:bodyPr>
+            <a:normAutofit/>
+          </a:bodyPr>
+          <a:lstStyle/>
+          <a:p>
+            <a:pPr marL="0" indent="0">
+              <a:buNone/>
+            </a:pPr>
+            <a:r>
+              <a:rPr lang="ru-RU" sz="3600" dirty="0">
+                <a:latin typeface="Times New Roman" panose="02020603050405020304" pitchFamily="18" charset="0"/>
+                <a:cs typeface="Times New Roman" panose="02020603050405020304" pitchFamily="18" charset="0"/>
+              </a:rPr>
+              <a:t>В ходе курсового проекта достигнута поставленная цель: создана 3D-модель кронштейна и реализован её физический прототип, отвечающий всем технологическим требованиям печати. Это доказало, что использование современных методов 3D-моделирования и прототипирования позволяет значительно ускорить процесс разработки.</a:t>
+            </a:r>
+          </a:p>
+          <a:p>
+            <a:pPr marL="0" indent="0">
+              <a:buNone/>
+            </a:pPr>
+            <a:endParaRPr lang="ru-RU" dirty="0"/>
+          </a:p>
+        </p:txBody>
+      </p:sp>
+    </p:spTree>
+    <p:extLst>
+      <p:ext uri="{BB962C8B-B14F-4D97-AF65-F5344CB8AC3E}">
+        <p14:creationId xmlns:p14="http://schemas.microsoft.com/office/powerpoint/2010/main" val="3740910686"/>
+      </p:ext>
+    </p:extLst>
+  </p:cSld>
+  <p:clrMapOvr>
+    <a:masterClrMapping/>
+  </p:clrMapOvr>
+</p:sld>
+</file>
+
+<file path=ppt/slides/slide9.xml><?xml version="1.0" encoding="utf-8"?>
+<p:sld xmlns:a="http://schemas.openxmlformats.org/drawingml/2006/main" xmlns:r="http://schemas.openxmlformats.org/officeDocument/2006/relationships" xmlns:p="http://schemas.openxmlformats.org/presentationml/2006/main">
+  <p:cSld>
+    <p:spTree>
+      <p:nvGrpSpPr>
+        <p:cNvPr id="1" name=""/>
+        <p:cNvGrpSpPr/>
+        <p:nvPr/>
+      </p:nvGrpSpPr>
+      <p:grpSpPr>
+        <a:xfrm>
+          <a:off x="0" y="0"/>
+          <a:ext cx="0" cy="0"/>
+          <a:chOff x="0" y="0"/>
+          <a:chExt cx="0" cy="0"/>
+        </a:xfrm>
+      </p:grpSpPr>
+      <p:sp>
+        <p:nvSpPr>
+          <p:cNvPr id="2" name="Заголовок 1">
+            <a:extLst>
+              <a:ext uri="{FF2B5EF4-FFF2-40B4-BE49-F238E27FC236}">
+                <a16:creationId xmlns:a16="http://schemas.microsoft.com/office/drawing/2014/main" id="{83B4BB31-E68F-4045-845B-0AC01370D2CD}"/>
+              </a:ext>
+            </a:extLst>
+          </p:cNvPr>
+          <p:cNvSpPr>
+            <a:spLocks noGrp="1"/>
+          </p:cNvSpPr>
+          <p:nvPr>
+            <p:ph type="title"/>
+          </p:nvPr>
+        </p:nvSpPr>
+        <p:spPr>
+          <a:xfrm>
+            <a:off x="2134340" y="2103437"/>
+            <a:ext cx="8021714" cy="2450808"/>
+          </a:xfrm>
+        </p:spPr>
+        <p:txBody>
+          <a:bodyPr>
+            <a:noAutofit/>
+          </a:bodyPr>
+          <a:lstStyle/>
+          <a:p>
+            <a:r>
+              <a:rPr lang="ru-RU" sz="6600" i="1" dirty="0">
+                <a:latin typeface="Bahnschrift Light Condensed" panose="020B0502040204020203" pitchFamily="34" charset="0"/>
+              </a:rPr>
+              <a:t>Спасибо за внимание!</a:t>
+            </a:r>
+            <a:br>
+              <a:rPr lang="ru-RU" sz="6600" i="1" dirty="0">
+                <a:latin typeface="Bahnschrift Light Condensed" panose="020B0502040204020203" pitchFamily="34" charset="0"/>
+              </a:rPr>
+            </a:br>
+            <a:r>
+              <a:rPr lang="ru-RU" sz="6600" i="1" dirty="0">
+                <a:latin typeface="Bahnschrift Light Condensed" panose="020B0502040204020203" pitchFamily="34" charset="0"/>
+              </a:rPr>
+              <a:t>Можете задавать вопросы.</a:t>
+            </a:r>
+          </a:p>
+        </p:txBody>
+      </p:sp>
+      <p:sp>
+        <p:nvSpPr>
+          <p:cNvPr id="3" name="Звезда: 5 точек 2">
+            <a:extLst>
+              <a:ext uri="{FF2B5EF4-FFF2-40B4-BE49-F238E27FC236}">
+                <a16:creationId xmlns:a16="http://schemas.microsoft.com/office/drawing/2014/main" id="{FC8C3E3C-7DCF-41FE-8FA9-32A58B380CED}"/>
+              </a:ext>
+            </a:extLst>
+          </p:cNvPr>
+          <p:cNvSpPr/>
+          <p:nvPr/>
+        </p:nvSpPr>
+        <p:spPr>
+          <a:xfrm>
+            <a:off x="2134340" y="923278"/>
+            <a:ext cx="1106010" cy="1180159"/>
+          </a:xfrm>
+          <a:prstGeom prst="star5">
+            <a:avLst/>
+          </a:prstGeom>
+          <a:solidFill>
+            <a:srgbClr val="FFFF00"/>
+          </a:solidFill>
+        </p:spPr>
+        <p:style>
+          <a:lnRef idx="2">
+            <a:schemeClr val="accent1">
+              <a:shade val="50000"/>
+            </a:schemeClr>
+          </a:lnRef>
+          <a:fillRef idx="1">
+            <a:schemeClr val="accent1"/>
+          </a:fillRef>
+          <a:effectRef idx="0">
+            <a:schemeClr val="accent1"/>
+          </a:effectRef>
+          <a:fontRef idx="minor">
+            <a:schemeClr val="lt1"/>
+          </a:fontRef>
+        </p:style>
+        <p:txBody>
+          <a:bodyPr rtlCol="0" anchor="ctr"/>
+          <a:lstStyle/>
+          <a:p>
+            <a:pPr algn="ctr"/>
+            <a:endParaRPr lang="ru-RU"/>
+          </a:p>
+        </p:txBody>
+      </p:sp>
+      <p:sp>
+        <p:nvSpPr>
+          <p:cNvPr id="4" name="Улыбающееся лицо 3">
+            <a:extLst>
+              <a:ext uri="{FF2B5EF4-FFF2-40B4-BE49-F238E27FC236}">
+                <a16:creationId xmlns:a16="http://schemas.microsoft.com/office/drawing/2014/main" id="{96E79F71-16FF-4B6F-BBC4-7C0E20660EA1}"/>
+              </a:ext>
+            </a:extLst>
+          </p:cNvPr>
+          <p:cNvSpPr/>
+          <p:nvPr/>
+        </p:nvSpPr>
+        <p:spPr>
+          <a:xfrm>
+            <a:off x="9836458" y="4884393"/>
+            <a:ext cx="1118587" cy="1118587"/>
+          </a:xfrm>
+          <a:prstGeom prst="smileyFace">
+            <a:avLst/>
+          </a:prstGeom>
+          <a:solidFill>
+            <a:schemeClr val="accent4"/>
+          </a:solidFill>
+        </p:spPr>
+        <p:style>
+          <a:lnRef idx="2">
+            <a:schemeClr val="accent1">
+              <a:shade val="50000"/>
+            </a:schemeClr>
+          </a:lnRef>
+          <a:fillRef idx="1">
+            <a:schemeClr val="accent1"/>
+          </a:fillRef>
+          <a:effectRef idx="0">
+            <a:schemeClr val="accent1"/>
+          </a:effectRef>
+          <a:fontRef idx="minor">
+            <a:schemeClr val="lt1"/>
+          </a:fontRef>
+        </p:style>
+        <p:txBody>
+          <a:bodyPr rtlCol="0" anchor="ctr"/>
+          <a:lstStyle/>
+          <a:p>
+            <a:pPr algn="ctr"/>
+            <a:endParaRPr lang="ru-RU"/>
+          </a:p>
+        </p:txBody>
+      </p:sp>
+      <p:sp>
+        <p:nvSpPr>
+          <p:cNvPr id="5" name="Блок-схема: несколько документов 4">
+            <a:extLst>
+              <a:ext uri="{FF2B5EF4-FFF2-40B4-BE49-F238E27FC236}">
+                <a16:creationId xmlns:a16="http://schemas.microsoft.com/office/drawing/2014/main" id="{B05C835E-A34D-4BAE-9BD5-F6A25E934BC3}"/>
+              </a:ext>
+            </a:extLst>
+          </p:cNvPr>
+          <p:cNvSpPr/>
+          <p:nvPr/>
+        </p:nvSpPr>
+        <p:spPr>
+          <a:xfrm>
+            <a:off x="9703293" y="790113"/>
+            <a:ext cx="1917577" cy="2450808"/>
+          </a:xfrm>
+          <a:prstGeom prst="flowChartMultidocument">
+            <a:avLst/>
+          </a:prstGeom>
+          <a:solidFill>
+            <a:schemeClr val="accent6">
+              <a:lumMod val="40000"/>
+              <a:lumOff val="60000"/>
+            </a:schemeClr>
+          </a:solidFill>
+        </p:spPr>
+        <p:style>
+          <a:lnRef idx="2">
+            <a:schemeClr val="accent1">
+              <a:shade val="50000"/>
+            </a:schemeClr>
+          </a:lnRef>
+          <a:fillRef idx="1">
+            <a:schemeClr val="accent1"/>
+          </a:fillRef>
+          <a:effectRef idx="0">
+            <a:schemeClr val="accent1"/>
+          </a:effectRef>
+          <a:fontRef idx="minor">
+            <a:schemeClr val="lt1"/>
+          </a:fontRef>
+        </p:style>
+        <p:txBody>
+          <a:bodyPr rtlCol="0" anchor="ctr"/>
+          <a:lstStyle/>
+          <a:p>
+            <a:pPr algn="ctr"/>
+            <a:endParaRPr lang="ru-RU"/>
+          </a:p>
+        </p:txBody>
+      </p:sp>
+      <p:sp>
+        <p:nvSpPr>
+          <p:cNvPr id="6" name="Сердце 5">
+            <a:extLst>
+              <a:ext uri="{FF2B5EF4-FFF2-40B4-BE49-F238E27FC236}">
+                <a16:creationId xmlns:a16="http://schemas.microsoft.com/office/drawing/2014/main" id="{8219B0D7-54C0-4851-AC35-55C9DCCCF415}"/>
+              </a:ext>
+            </a:extLst>
+          </p:cNvPr>
+          <p:cNvSpPr/>
+          <p:nvPr/>
+        </p:nvSpPr>
+        <p:spPr>
+          <a:xfrm>
+            <a:off x="10156054" y="1615736"/>
+            <a:ext cx="798991" cy="870012"/>
+          </a:xfrm>
+          <a:prstGeom prst="heart">
+            <a:avLst/>
+          </a:prstGeom>
+        </p:spPr>
+        <p:style>
+          <a:lnRef idx="2">
+            <a:schemeClr val="accent2">
+              <a:shade val="50000"/>
+            </a:schemeClr>
+          </a:lnRef>
+          <a:fillRef idx="1">
+            <a:schemeClr val="accent2"/>
+          </a:fillRef>
+          <a:effectRef idx="0">
+            <a:schemeClr val="accent2"/>
+          </a:effectRef>
+          <a:fontRef idx="minor">
+            <a:schemeClr val="lt1"/>
+          </a:fontRef>
+        </p:style>
+        <p:txBody>
+          <a:bodyPr rtlCol="0" anchor="ctr"/>
+          <a:lstStyle/>
+          <a:p>
+            <a:pPr algn="ctr"/>
+            <a:endParaRPr lang="ru-RU"/>
+          </a:p>
+        </p:txBody>
+      </p:sp>
+      <p:sp>
+        <p:nvSpPr>
+          <p:cNvPr id="7" name="Лента: наклоненная вверх 6">
+            <a:extLst>
+              <a:ext uri="{FF2B5EF4-FFF2-40B4-BE49-F238E27FC236}">
+                <a16:creationId xmlns:a16="http://schemas.microsoft.com/office/drawing/2014/main" id="{79DD1301-D0B2-4784-AE59-01E82E043665}"/>
+              </a:ext>
+            </a:extLst>
+          </p:cNvPr>
+          <p:cNvSpPr/>
+          <p:nvPr/>
+        </p:nvSpPr>
+        <p:spPr>
+          <a:xfrm>
+            <a:off x="1109709" y="5246703"/>
+            <a:ext cx="3657600" cy="1118587"/>
+          </a:xfrm>
+          <a:prstGeom prst="ribbon2">
+            <a:avLst/>
+          </a:prstGeom>
+        </p:spPr>
+        <p:style>
+          <a:lnRef idx="2">
+            <a:schemeClr val="accent6">
+              <a:shade val="50000"/>
+            </a:schemeClr>
+          </a:lnRef>
+          <a:fillRef idx="1">
+            <a:schemeClr val="accent6"/>
+          </a:fillRef>
+          <a:effectRef idx="0">
+            <a:schemeClr val="accent6"/>
+          </a:effectRef>
+          <a:fontRef idx="minor">
+            <a:schemeClr val="lt1"/>
+          </a:fontRef>
+        </p:style>
+        <p:txBody>
+          <a:bodyPr rtlCol="0" anchor="ctr"/>
+          <a:lstStyle/>
+          <a:p>
+            <a:pPr algn="ctr"/>
+            <a:endParaRPr lang="ru-RU"/>
+          </a:p>
+        </p:txBody>
+      </p:sp>
+      <p:sp>
+        <p:nvSpPr>
+          <p:cNvPr id="8" name="Прямоугольник 7">
+            <a:extLst>
+              <a:ext uri="{FF2B5EF4-FFF2-40B4-BE49-F238E27FC236}">
+                <a16:creationId xmlns:a16="http://schemas.microsoft.com/office/drawing/2014/main" id="{E243107F-72E5-440F-87C5-C83A5F8AE4E9}"/>
+              </a:ext>
+            </a:extLst>
+          </p:cNvPr>
+          <p:cNvSpPr/>
+          <p:nvPr/>
+        </p:nvSpPr>
+        <p:spPr>
+          <a:xfrm>
+            <a:off x="2324238" y="5356649"/>
+            <a:ext cx="1272721" cy="646331"/>
+          </a:xfrm>
+          <a:prstGeom prst="rect">
+            <a:avLst/>
+          </a:prstGeom>
+        </p:spPr>
+        <p:txBody>
+          <a:bodyPr wrap="none">
+            <a:spAutoFit/>
+          </a:bodyPr>
+          <a:lstStyle/>
+          <a:p>
+            <a:r>
+              <a:rPr lang="ru-RU" dirty="0"/>
+              <a:t>Поставьте</a:t>
+            </a:r>
+          </a:p>
+          <a:p>
+            <a:r>
+              <a:rPr lang="ru-RU" dirty="0"/>
+              <a:t> «отлично»</a:t>
+            </a:r>
+          </a:p>
+        </p:txBody>
+      </p:sp>
+    </p:spTree>
+    <p:extLst>
+      <p:ext uri="{BB962C8B-B14F-4D97-AF65-F5344CB8AC3E}">
+        <p14:creationId xmlns:p14="http://schemas.microsoft.com/office/powerpoint/2010/main" val="971985445"/>
+      </p:ext>
+    </p:extLst>
+  </p:cSld>
+  <p:clrMapOvr>
+    <a:masterClrMapping/>
+  </p:clrMapOvr>
+</p:sld>
+</file>
+
 <file path=ppt/theme/theme1.xml><?xml version="1.0" encoding="utf-8"?>
 <a:theme xmlns:a="http://schemas.openxmlformats.org/drawingml/2006/main" name="Тема Office">
   <a:themeElements>
